--- a/07pat/ECDLhierachy.pptx
+++ b/07pat/ECDLhierachy.pptx
@@ -10115,7 +10115,7 @@
             <a:fld id="{1BDDF4DD-0E82-4106-AFA8-2EE49E3500D8}" type="datetimeFigureOut">
               <a:rPr lang="en-GB" smtClean="0"/>
               <a:pPr/>
-              <a:t>06/03/2016</a:t>
+              <a:t>10/12/2016</a:t>
             </a:fld>
             <a:endParaRPr lang="en-GB"/>
           </a:p>
@@ -10208,14 +10208,14 @@
           <p:nvPr userDrawn="1"/>
         </p:nvPicPr>
         <p:blipFill rotWithShape="1">
-          <a:blip r:embed="rId2" cstate="print">
+          <a:blip r:embed="rId2" cstate="email">
             <a:extLst>
               <a:ext uri="{28A0092B-C50C-407E-A947-70E740481C1C}">
-                <a14:useLocalDpi xmlns="" xmlns:a14="http://schemas.microsoft.com/office/drawing/2010/main" val="0"/>
+                <a14:useLocalDpi xmlns:a14="http://schemas.microsoft.com/office/drawing/2010/main" xmlns="" val="0"/>
               </a:ext>
             </a:extLst>
           </a:blip>
-          <a:srcRect l="5223" r="8062"/>
+          <a:srcRect/>
           <a:stretch/>
         </p:blipFill>
         <p:spPr bwMode="auto">
@@ -10229,7 +10229,7 @@
           <a:noFill/>
           <a:extLst>
             <a:ext uri="{909E8E84-426E-40DD-AFC4-6F175D3DCCD1}">
-              <a14:hiddenFill xmlns="" xmlns:a14="http://schemas.microsoft.com/office/drawing/2010/main">
+              <a14:hiddenFill xmlns:a14="http://schemas.microsoft.com/office/drawing/2010/main" xmlns="">
                 <a:solidFill>
                   <a:srgbClr val="FFFFFF"/>
                 </a:solidFill>
@@ -10356,7 +10356,7 @@
             <a:fld id="{1BDDF4DD-0E82-4106-AFA8-2EE49E3500D8}" type="datetimeFigureOut">
               <a:rPr lang="en-GB" smtClean="0"/>
               <a:pPr/>
-              <a:t>06/03/2016</a:t>
+              <a:t>10/12/2016</a:t>
             </a:fld>
             <a:endParaRPr lang="en-GB"/>
           </a:p>
@@ -10533,7 +10533,7 @@
             <a:fld id="{1BDDF4DD-0E82-4106-AFA8-2EE49E3500D8}" type="datetimeFigureOut">
               <a:rPr lang="en-GB" smtClean="0"/>
               <a:pPr/>
-              <a:t>06/03/2016</a:t>
+              <a:t>10/12/2016</a:t>
             </a:fld>
             <a:endParaRPr lang="en-GB"/>
           </a:p>
@@ -10714,7 +10714,7 @@
             <a:fld id="{1BDDF4DD-0E82-4106-AFA8-2EE49E3500D8}" type="datetimeFigureOut">
               <a:rPr lang="en-GB" smtClean="0"/>
               <a:pPr/>
-              <a:t>06/03/2016</a:t>
+              <a:t>10/12/2016</a:t>
             </a:fld>
             <a:endParaRPr lang="en-GB"/>
           </a:p>
@@ -10772,14 +10772,14 @@
           <p:nvPr userDrawn="1"/>
         </p:nvPicPr>
         <p:blipFill rotWithShape="1">
-          <a:blip r:embed="rId2" cstate="print">
+          <a:blip r:embed="rId2" cstate="email">
             <a:extLst>
               <a:ext uri="{28A0092B-C50C-407E-A947-70E740481C1C}">
-                <a14:useLocalDpi xmlns="" xmlns:a14="http://schemas.microsoft.com/office/drawing/2010/main" val="0"/>
+                <a14:useLocalDpi xmlns:a14="http://schemas.microsoft.com/office/drawing/2010/main" xmlns="" val="0"/>
               </a:ext>
             </a:extLst>
           </a:blip>
-          <a:srcRect l="5223" r="8062"/>
+          <a:srcRect/>
           <a:stretch/>
         </p:blipFill>
         <p:spPr bwMode="auto">
@@ -10793,7 +10793,7 @@
           <a:noFill/>
           <a:extLst>
             <a:ext uri="{909E8E84-426E-40DD-AFC4-6F175D3DCCD1}">
-              <a14:hiddenFill xmlns="" xmlns:a14="http://schemas.microsoft.com/office/drawing/2010/main">
+              <a14:hiddenFill xmlns:a14="http://schemas.microsoft.com/office/drawing/2010/main" xmlns="">
                 <a:solidFill>
                   <a:srgbClr val="FFFFFF"/>
                 </a:solidFill>
@@ -11003,7 +11003,7 @@
             <a:fld id="{1BDDF4DD-0E82-4106-AFA8-2EE49E3500D8}" type="datetimeFigureOut">
               <a:rPr lang="en-GB" smtClean="0"/>
               <a:pPr/>
-              <a:t>06/03/2016</a:t>
+              <a:t>10/12/2016</a:t>
             </a:fld>
             <a:endParaRPr lang="en-GB"/>
           </a:p>
@@ -11323,7 +11323,7 @@
             <a:fld id="{1BDDF4DD-0E82-4106-AFA8-2EE49E3500D8}" type="datetimeFigureOut">
               <a:rPr lang="en-GB" smtClean="0"/>
               <a:pPr/>
-              <a:t>06/03/2016</a:t>
+              <a:t>10/12/2016</a:t>
             </a:fld>
             <a:endParaRPr lang="en-GB"/>
           </a:p>
@@ -11791,7 +11791,7 @@
             <a:fld id="{1BDDF4DD-0E82-4106-AFA8-2EE49E3500D8}" type="datetimeFigureOut">
               <a:rPr lang="en-GB" smtClean="0"/>
               <a:pPr/>
-              <a:t>06/03/2016</a:t>
+              <a:t>10/12/2016</a:t>
             </a:fld>
             <a:endParaRPr lang="en-GB"/>
           </a:p>
@@ -11941,7 +11941,7 @@
             <a:fld id="{1BDDF4DD-0E82-4106-AFA8-2EE49E3500D8}" type="datetimeFigureOut">
               <a:rPr lang="en-GB" smtClean="0"/>
               <a:pPr/>
-              <a:t>06/03/2016</a:t>
+              <a:t>10/12/2016</a:t>
             </a:fld>
             <a:endParaRPr lang="en-GB"/>
           </a:p>
@@ -12033,7 +12033,7 @@
             <a:fld id="{1BDDF4DD-0E82-4106-AFA8-2EE49E3500D8}" type="datetimeFigureOut">
               <a:rPr lang="en-GB" smtClean="0"/>
               <a:pPr/>
-              <a:t>06/03/2016</a:t>
+              <a:t>10/12/2016</a:t>
             </a:fld>
             <a:endParaRPr lang="en-GB"/>
           </a:p>
@@ -12309,7 +12309,7 @@
             <a:fld id="{1BDDF4DD-0E82-4106-AFA8-2EE49E3500D8}" type="datetimeFigureOut">
               <a:rPr lang="en-GB" smtClean="0"/>
               <a:pPr/>
-              <a:t>06/03/2016</a:t>
+              <a:t>10/12/2016</a:t>
             </a:fld>
             <a:endParaRPr lang="en-GB"/>
           </a:p>
@@ -12616,7 +12616,7 @@
             <a:fld id="{1BDDF4DD-0E82-4106-AFA8-2EE49E3500D8}" type="datetimeFigureOut">
               <a:rPr lang="en-GB" smtClean="0"/>
               <a:pPr/>
-              <a:t>06/03/2016</a:t>
+              <a:t>10/12/2016</a:t>
             </a:fld>
             <a:endParaRPr lang="en-GB"/>
           </a:p>
@@ -12916,7 +12916,7 @@
             <a:fld id="{1BDDF4DD-0E82-4106-AFA8-2EE49E3500D8}" type="datetimeFigureOut">
               <a:rPr lang="en-GB" smtClean="0"/>
               <a:pPr/>
-              <a:t>06/03/2016</a:t>
+              <a:t>10/12/2016</a:t>
             </a:fld>
             <a:endParaRPr lang="en-GB"/>
           </a:p>
@@ -13363,7 +13363,7 @@
     </p:spTree>
     <p:extLst>
       <p:ext uri="{BB962C8B-B14F-4D97-AF65-F5344CB8AC3E}">
-        <p14:creationId xmlns="" xmlns:p14="http://schemas.microsoft.com/office/powerpoint/2010/main" val="4082318503"/>
+        <p14:creationId xmlns:p14="http://schemas.microsoft.com/office/powerpoint/2010/main" xmlns="" val="4082318503"/>
       </p:ext>
     </p:extLst>
   </p:cSld>
@@ -13511,10 +13511,10 @@
           <p:nvPr/>
         </p:nvPicPr>
         <p:blipFill>
-          <a:blip r:embed="rId2" cstate="print">
+          <a:blip r:embed="rId2" cstate="email">
             <a:extLst>
               <a:ext uri="{28A0092B-C50C-407E-A947-70E740481C1C}">
-                <a14:useLocalDpi xmlns="" xmlns:a14="http://schemas.microsoft.com/office/drawing/2010/main" val="0"/>
+                <a14:useLocalDpi xmlns:a14="http://schemas.microsoft.com/office/drawing/2010/main" xmlns="" val="0"/>
               </a:ext>
             </a:extLst>
           </a:blip>
@@ -13534,7 +13534,7 @@
           <a:noFill/>
           <a:extLst>
             <a:ext uri="{909E8E84-426E-40DD-AFC4-6F175D3DCCD1}">
-              <a14:hiddenFill xmlns="" xmlns:a14="http://schemas.microsoft.com/office/drawing/2010/main">
+              <a14:hiddenFill xmlns:a14="http://schemas.microsoft.com/office/drawing/2010/main" xmlns="">
                 <a:solidFill>
                   <a:srgbClr val="FFFFFF"/>
                 </a:solidFill>
@@ -13546,7 +13546,7 @@
     </p:spTree>
     <p:extLst>
       <p:ext uri="{BB962C8B-B14F-4D97-AF65-F5344CB8AC3E}">
-        <p14:creationId xmlns="" xmlns:p14="http://schemas.microsoft.com/office/powerpoint/2010/main" val="1616724772"/>
+        <p14:creationId xmlns:p14="http://schemas.microsoft.com/office/powerpoint/2010/main" xmlns="" val="1616724772"/>
       </p:ext>
     </p:extLst>
   </p:cSld>
@@ -14516,10 +14516,10 @@
           <p:nvPr/>
         </p:nvPicPr>
         <p:blipFill>
-          <a:blip r:embed="rId2" cstate="print">
+          <a:blip r:embed="rId2" cstate="email">
             <a:extLst>
               <a:ext uri="{28A0092B-C50C-407E-A947-70E740481C1C}">
-                <a14:useLocalDpi xmlns="" xmlns:a14="http://schemas.microsoft.com/office/drawing/2010/main" val="0"/>
+                <a14:useLocalDpi xmlns:a14="http://schemas.microsoft.com/office/drawing/2010/main" xmlns="" val="0"/>
               </a:ext>
             </a:extLst>
           </a:blip>
@@ -14539,7 +14539,7 @@
           <a:noFill/>
           <a:extLst>
             <a:ext uri="{909E8E84-426E-40DD-AFC4-6F175D3DCCD1}">
-              <a14:hiddenFill xmlns="" xmlns:a14="http://schemas.microsoft.com/office/drawing/2010/main">
+              <a14:hiddenFill xmlns:a14="http://schemas.microsoft.com/office/drawing/2010/main" xmlns="">
                 <a:solidFill>
                   <a:srgbClr val="FFFFFF"/>
                 </a:solidFill>
@@ -14551,7 +14551,7 @@
     </p:spTree>
     <p:extLst>
       <p:ext uri="{BB962C8B-B14F-4D97-AF65-F5344CB8AC3E}">
-        <p14:creationId xmlns="" xmlns:p14="http://schemas.microsoft.com/office/powerpoint/2010/main" val="970620059"/>
+        <p14:creationId xmlns:p14="http://schemas.microsoft.com/office/powerpoint/2010/main" xmlns="" val="970620059"/>
       </p:ext>
     </p:extLst>
   </p:cSld>
@@ -14671,10 +14671,10 @@
           <p:nvPr/>
         </p:nvPicPr>
         <p:blipFill>
-          <a:blip r:embed="rId2" cstate="print">
+          <a:blip r:embed="rId2" cstate="email">
             <a:extLst>
               <a:ext uri="{28A0092B-C50C-407E-A947-70E740481C1C}">
-                <a14:useLocalDpi xmlns="" xmlns:a14="http://schemas.microsoft.com/office/drawing/2010/main" val="0"/>
+                <a14:useLocalDpi xmlns:a14="http://schemas.microsoft.com/office/drawing/2010/main" xmlns="" val="0"/>
               </a:ext>
             </a:extLst>
           </a:blip>
@@ -14694,7 +14694,7 @@
           <a:noFill/>
           <a:extLst>
             <a:ext uri="{909E8E84-426E-40DD-AFC4-6F175D3DCCD1}">
-              <a14:hiddenFill xmlns="" xmlns:a14="http://schemas.microsoft.com/office/drawing/2010/main">
+              <a14:hiddenFill xmlns:a14="http://schemas.microsoft.com/office/drawing/2010/main" xmlns="">
                 <a:solidFill>
                   <a:srgbClr val="FFFFFF"/>
                 </a:solidFill>
@@ -14710,7 +14710,7 @@
           <p:nvPr>
             <p:extLst>
               <p:ext uri="{D42A27DB-BD31-4B8C-83A1-F6EECF244321}">
-                <p14:modId xmlns="" xmlns:p14="http://schemas.microsoft.com/office/powerpoint/2010/main" val="3784171291"/>
+                <p14:modId xmlns:p14="http://schemas.microsoft.com/office/powerpoint/2010/main" xmlns="" val="3784171291"/>
               </p:ext>
             </p:extLst>
           </p:nvPr>
@@ -14728,7 +14728,7 @@
     </p:spTree>
     <p:extLst>
       <p:ext uri="{BB962C8B-B14F-4D97-AF65-F5344CB8AC3E}">
-        <p14:creationId xmlns="" xmlns:p14="http://schemas.microsoft.com/office/powerpoint/2010/main" val="588990593"/>
+        <p14:creationId xmlns:p14="http://schemas.microsoft.com/office/powerpoint/2010/main" xmlns="" val="588990593"/>
       </p:ext>
     </p:extLst>
   </p:cSld>
@@ -14823,10 +14823,10 @@
           <p:nvPr/>
         </p:nvPicPr>
         <p:blipFill>
-          <a:blip r:embed="rId2" cstate="print">
+          <a:blip r:embed="rId2" cstate="email">
             <a:extLst>
               <a:ext uri="{28A0092B-C50C-407E-A947-70E740481C1C}">
-                <a14:useLocalDpi xmlns="" xmlns:a14="http://schemas.microsoft.com/office/drawing/2010/main" val="0"/>
+                <a14:useLocalDpi xmlns:a14="http://schemas.microsoft.com/office/drawing/2010/main" xmlns="" val="0"/>
               </a:ext>
             </a:extLst>
           </a:blip>
@@ -14846,7 +14846,7 @@
           <a:noFill/>
           <a:extLst>
             <a:ext uri="{909E8E84-426E-40DD-AFC4-6F175D3DCCD1}">
-              <a14:hiddenFill xmlns="" xmlns:a14="http://schemas.microsoft.com/office/drawing/2010/main">
+              <a14:hiddenFill xmlns:a14="http://schemas.microsoft.com/office/drawing/2010/main" xmlns="">
                 <a:solidFill>
                   <a:srgbClr val="FFFFFF"/>
                 </a:solidFill>
@@ -14862,7 +14862,7 @@
           <p:nvPr>
             <p:extLst>
               <p:ext uri="{D42A27DB-BD31-4B8C-83A1-F6EECF244321}">
-                <p14:modId xmlns="" xmlns:p14="http://schemas.microsoft.com/office/powerpoint/2010/main" val="749229997"/>
+                <p14:modId xmlns:p14="http://schemas.microsoft.com/office/powerpoint/2010/main" xmlns="" val="749229997"/>
               </p:ext>
             </p:extLst>
           </p:nvPr>
@@ -14880,7 +14880,7 @@
     </p:spTree>
     <p:extLst>
       <p:ext uri="{BB962C8B-B14F-4D97-AF65-F5344CB8AC3E}">
-        <p14:creationId xmlns="" xmlns:p14="http://schemas.microsoft.com/office/powerpoint/2010/main" val="596547194"/>
+        <p14:creationId xmlns:p14="http://schemas.microsoft.com/office/powerpoint/2010/main" xmlns="" val="596547194"/>
       </p:ext>
     </p:extLst>
   </p:cSld>
@@ -15010,10 +15010,10 @@
           <p:nvPr/>
         </p:nvPicPr>
         <p:blipFill>
-          <a:blip r:embed="rId2" cstate="print">
+          <a:blip r:embed="rId2" cstate="email">
             <a:extLst>
               <a:ext uri="{28A0092B-C50C-407E-A947-70E740481C1C}">
-                <a14:useLocalDpi xmlns="" xmlns:a14="http://schemas.microsoft.com/office/drawing/2010/main" val="0"/>
+                <a14:useLocalDpi xmlns:a14="http://schemas.microsoft.com/office/drawing/2010/main" xmlns="" val="0"/>
               </a:ext>
             </a:extLst>
           </a:blip>
@@ -15033,7 +15033,7 @@
           <a:noFill/>
           <a:extLst>
             <a:ext uri="{909E8E84-426E-40DD-AFC4-6F175D3DCCD1}">
-              <a14:hiddenFill xmlns="" xmlns:a14="http://schemas.microsoft.com/office/drawing/2010/main">
+              <a14:hiddenFill xmlns:a14="http://schemas.microsoft.com/office/drawing/2010/main" xmlns="">
                 <a:solidFill>
                   <a:srgbClr val="FFFFFF"/>
                 </a:solidFill>
@@ -15045,7 +15045,7 @@
     </p:spTree>
     <p:extLst>
       <p:ext uri="{BB962C8B-B14F-4D97-AF65-F5344CB8AC3E}">
-        <p14:creationId xmlns="" xmlns:p14="http://schemas.microsoft.com/office/powerpoint/2010/main" val="3258433848"/>
+        <p14:creationId xmlns:p14="http://schemas.microsoft.com/office/powerpoint/2010/main" xmlns="" val="3258433848"/>
       </p:ext>
     </p:extLst>
   </p:cSld>
@@ -15185,10 +15185,10 @@
           <p:nvPr/>
         </p:nvPicPr>
         <p:blipFill rotWithShape="1">
-          <a:blip r:embed="rId2" cstate="print">
+          <a:blip r:embed="rId2" cstate="email">
             <a:extLst>
               <a:ext uri="{BEBA8EAE-BF5A-486C-A8C5-ECC9F3942E4B}">
-                <a14:imgProps xmlns="" xmlns:a14="http://schemas.microsoft.com/office/drawing/2010/main">
+                <a14:imgProps xmlns:a14="http://schemas.microsoft.com/office/drawing/2010/main" xmlns="">
                   <a14:imgLayer r:embed="rId3">
                     <a14:imgEffect>
                       <a14:backgroundRemoval t="0" b="100000" l="0" r="92662">
@@ -15204,11 +15204,11 @@
                 </a14:imgProps>
               </a:ext>
               <a:ext uri="{28A0092B-C50C-407E-A947-70E740481C1C}">
-                <a14:useLocalDpi xmlns="" xmlns:a14="http://schemas.microsoft.com/office/drawing/2010/main" val="0"/>
+                <a14:useLocalDpi xmlns:a14="http://schemas.microsoft.com/office/drawing/2010/main" xmlns="" val="0"/>
               </a:ext>
             </a:extLst>
           </a:blip>
-          <a:srcRect r="7320"/>
+          <a:srcRect/>
           <a:stretch/>
         </p:blipFill>
         <p:spPr bwMode="auto">
@@ -15222,7 +15222,7 @@
           <a:noFill/>
           <a:extLst>
             <a:ext uri="{909E8E84-426E-40DD-AFC4-6F175D3DCCD1}">
-              <a14:hiddenFill xmlns="" xmlns:a14="http://schemas.microsoft.com/office/drawing/2010/main">
+              <a14:hiddenFill xmlns:a14="http://schemas.microsoft.com/office/drawing/2010/main" xmlns="">
                 <a:solidFill>
                   <a:srgbClr val="FFFFFF"/>
                 </a:solidFill>
@@ -15234,7 +15234,7 @@
     </p:spTree>
     <p:extLst>
       <p:ext uri="{BB962C8B-B14F-4D97-AF65-F5344CB8AC3E}">
-        <p14:creationId xmlns="" xmlns:p14="http://schemas.microsoft.com/office/powerpoint/2010/main" val="544654409"/>
+        <p14:creationId xmlns:p14="http://schemas.microsoft.com/office/powerpoint/2010/main" xmlns="" val="544654409"/>
       </p:ext>
     </p:extLst>
   </p:cSld>
